--- a/data analysis/三个图.pptx
+++ b/data analysis/三个图.pptx
@@ -909,7 +909,7 @@
             </a:pPr>
             <a:r>
               <a:rPr lang="" altLang="zh-CN"/>
-              <a:t>组合分布</a:t>
+              <a:t>光源方向和强度组合分布</a:t>
             </a:r>
             <a:endParaRPr lang="" altLang="zh-CN"/>
           </a:p>

--- a/data analysis/三个图.pptx
+++ b/data analysis/三个图.pptx
@@ -141,13 +141,8 @@
               </a:defRPr>
             </a:pPr>
             <a:r>
-              <a:t>光照方向</a:t>
-            </a:r>
-            <a:r>
-              <a:rPr lang="en-US" altLang="zh-CN"/>
-              <a:t>分布</a:t>
-            </a:r>
-            <a:endParaRPr lang="en-US" altLang="zh-CN"/>
+              <a:t>光照方向分布</a:t>
+            </a:r>
           </a:p>
         </c:rich>
       </c:tx>
@@ -204,6 +199,7 @@
           <c:dPt>
             <c:idx val="2"/>
             <c:bubble3D val="0"/>
+            <c:explosion val="1"/>
             <c:spPr>
               <a:solidFill>
                 <a:schemeClr val="accent3"/>
@@ -271,7 +267,7 @@
           </c:dLbls>
           <c:cat>
             <c:strRef>
-              <c:f>[光照方向.xlsx]direction!$H$1:$J$1</c:f>
+              <c:f>total_direction.xlsx!$H$1:$J$1</c:f>
               <c:strCache>
                 <c:ptCount val="3"/>
                 <c:pt idx="0">
@@ -288,18 +284,18 @@
           </c:cat>
           <c:val>
             <c:numRef>
-              <c:f>[光照方向.xlsx]direction!$H$2:$J$2</c:f>
+              <c:f>total_direction.xlsx!$H$2:$J$2</c:f>
               <c:numCache>
                 <c:formatCode>General</c:formatCode>
                 <c:ptCount val="3"/>
                 <c:pt idx="0">
-                  <c:v>1867</c:v>
+                  <c:v>2939</c:v>
                 </c:pt>
                 <c:pt idx="1">
-                  <c:v>4200</c:v>
+                  <c:v>6601</c:v>
                 </c:pt>
                 <c:pt idx="2">
-                  <c:v>10843</c:v>
+                  <c:v>16560</c:v>
                 </c:pt>
               </c:numCache>
             </c:numRef>
@@ -423,8 +419,10 @@
               </a:defRPr>
             </a:pPr>
             <a:r>
+              <a:rPr lang="en-US" altLang="zh-CN"/>
               <a:t>光照强度分布</a:t>
             </a:r>
+            <a:endParaRPr lang="en-US" altLang="zh-CN"/>
           </a:p>
         </c:rich>
       </c:tx>
@@ -532,34 +530,10 @@
               <c:idx val="1"/>
               <c:layout>
                 <c:manualLayout>
-                  <c:x val="0.0046350032307524"/>
-                  <c:y val="0.12012838509499"/>
+                  <c:x val="0.00686086037556833"/>
+                  <c:y val="0.0976675596177476"/>
                 </c:manualLayout>
               </c:layout>
-              <c:numFmt formatCode="General" sourceLinked="1"/>
-              <c:spPr>
-                <a:noFill/>
-                <a:ln>
-                  <a:noFill/>
-                </a:ln>
-                <a:effectLst/>
-              </c:spPr>
-              <c:txPr>
-                <a:bodyPr rot="0" spcFirstLastPara="0" vertOverflow="ellipsis" vert="horz" wrap="square" lIns="38100" tIns="19050" rIns="38100" bIns="19050" anchor="ctr" anchorCtr="1"/>
-                <a:lstStyle/>
-                <a:p>
-                  <a:pPr>
-                    <a:defRPr lang="zh-CN" sz="900" b="0" i="0" u="none" strike="noStrike" kern="1200" baseline="0">
-                      <a:solidFill>
-                        <a:schemeClr val="bg1"/>
-                      </a:solidFill>
-                      <a:latin typeface="+mn-lt"/>
-                      <a:ea typeface="+mn-ea"/>
-                      <a:cs typeface="+mn-cs"/>
-                    </a:defRPr>
-                  </a:pPr>
-                </a:p>
-              </c:txPr>
               <c:dLblPos val="bestFit"/>
               <c:showLegendKey val="0"/>
               <c:showVal val="0"/>
@@ -571,120 +545,6 @@
                 <c:ext xmlns:c15="http://schemas.microsoft.com/office/drawing/2012/chart" uri="{CE6537A1-D6FC-4f65-9D91-7224C49458BB}">
                   <c15:layout/>
                 </c:ext>
-              </c:extLst>
-            </c:dLbl>
-            <c:dLbl>
-              <c:idx val="2"/>
-              <c:layout/>
-              <c:numFmt formatCode="General" sourceLinked="1"/>
-              <c:spPr>
-                <a:noFill/>
-                <a:ln>
-                  <a:noFill/>
-                </a:ln>
-                <a:effectLst/>
-              </c:spPr>
-              <c:txPr>
-                <a:bodyPr rot="0" spcFirstLastPara="0" vertOverflow="ellipsis" vert="horz" wrap="square" lIns="38100" tIns="19050" rIns="38100" bIns="19050" anchor="ctr" anchorCtr="1"/>
-                <a:lstStyle/>
-                <a:p>
-                  <a:pPr>
-                    <a:defRPr lang="zh-CN" sz="900" b="0" i="0" u="none" strike="noStrike" kern="1200" baseline="0">
-                      <a:solidFill>
-                        <a:schemeClr val="bg1"/>
-                      </a:solidFill>
-                      <a:latin typeface="+mn-lt"/>
-                      <a:ea typeface="+mn-ea"/>
-                      <a:cs typeface="+mn-cs"/>
-                    </a:defRPr>
-                  </a:pPr>
-                </a:p>
-              </c:txPr>
-              <c:dLblPos val="ctr"/>
-              <c:showLegendKey val="0"/>
-              <c:showVal val="0"/>
-              <c:showCatName val="0"/>
-              <c:showSerName val="0"/>
-              <c:showPercent val="1"/>
-              <c:showBubbleSize val="0"/>
-              <c:extLst>
-                <c:ext xmlns:c15="http://schemas.microsoft.com/office/drawing/2012/chart" uri="{CE6537A1-D6FC-4f65-9D91-7224C49458BB}"/>
-              </c:extLst>
-            </c:dLbl>
-            <c:dLbl>
-              <c:idx val="3"/>
-              <c:layout/>
-              <c:numFmt formatCode="General" sourceLinked="1"/>
-              <c:spPr>
-                <a:noFill/>
-                <a:ln>
-                  <a:noFill/>
-                </a:ln>
-                <a:effectLst/>
-              </c:spPr>
-              <c:txPr>
-                <a:bodyPr rot="0" spcFirstLastPara="0" vertOverflow="ellipsis" vert="horz" wrap="square" lIns="38100" tIns="19050" rIns="38100" bIns="19050" anchor="ctr" anchorCtr="1"/>
-                <a:lstStyle/>
-                <a:p>
-                  <a:pPr>
-                    <a:defRPr lang="zh-CN" sz="900" b="0" i="0" u="none" strike="noStrike" kern="1200" baseline="0">
-                      <a:solidFill>
-                        <a:schemeClr val="bg1"/>
-                      </a:solidFill>
-                      <a:latin typeface="+mn-lt"/>
-                      <a:ea typeface="+mn-ea"/>
-                      <a:cs typeface="+mn-cs"/>
-                    </a:defRPr>
-                  </a:pPr>
-                </a:p>
-              </c:txPr>
-              <c:dLblPos val="ctr"/>
-              <c:showLegendKey val="0"/>
-              <c:showVal val="0"/>
-              <c:showCatName val="0"/>
-              <c:showSerName val="0"/>
-              <c:showPercent val="1"/>
-              <c:showBubbleSize val="0"/>
-              <c:extLst>
-                <c:ext xmlns:c15="http://schemas.microsoft.com/office/drawing/2012/chart" uri="{CE6537A1-D6FC-4f65-9D91-7224C49458BB}"/>
-              </c:extLst>
-            </c:dLbl>
-            <c:dLbl>
-              <c:idx val="4"/>
-              <c:layout/>
-              <c:numFmt formatCode="General" sourceLinked="1"/>
-              <c:spPr>
-                <a:noFill/>
-                <a:ln>
-                  <a:noFill/>
-                </a:ln>
-                <a:effectLst/>
-              </c:spPr>
-              <c:txPr>
-                <a:bodyPr rot="0" spcFirstLastPara="0" vertOverflow="ellipsis" vert="horz" wrap="square" lIns="38100" tIns="19050" rIns="38100" bIns="19050" anchor="ctr" anchorCtr="1"/>
-                <a:lstStyle/>
-                <a:p>
-                  <a:pPr>
-                    <a:defRPr lang="zh-CN" sz="900" b="0" i="0" u="none" strike="noStrike" kern="1200" baseline="0">
-                      <a:solidFill>
-                        <a:schemeClr val="bg1"/>
-                      </a:solidFill>
-                      <a:latin typeface="+mn-lt"/>
-                      <a:ea typeface="+mn-ea"/>
-                      <a:cs typeface="+mn-cs"/>
-                    </a:defRPr>
-                  </a:pPr>
-                </a:p>
-              </c:txPr>
-              <c:dLblPos val="ctr"/>
-              <c:showLegendKey val="0"/>
-              <c:showVal val="0"/>
-              <c:showCatName val="0"/>
-              <c:showSerName val="0"/>
-              <c:showPercent val="1"/>
-              <c:showBubbleSize val="0"/>
-              <c:extLst>
-                <c:ext xmlns:c15="http://schemas.microsoft.com/office/drawing/2012/chart" uri="{CE6537A1-D6FC-4f65-9D91-7224C49458BB}"/>
               </c:extLst>
             </c:dLbl>
             <c:spPr>
@@ -701,10 +561,7 @@
                 <a:pPr>
                   <a:defRPr lang="zh-CN" sz="900" b="0" i="0" u="none" strike="noStrike" kern="1200" baseline="0">
                     <a:solidFill>
-                      <a:schemeClr val="tx1">
-                        <a:lumMod val="75000"/>
-                        <a:lumOff val="25000"/>
-                      </a:schemeClr>
+                      <a:schemeClr val="bg1"/>
                     </a:solidFill>
                     <a:latin typeface="+mn-lt"/>
                     <a:ea typeface="+mn-ea"/>
@@ -744,7 +601,7 @@
           </c:dLbls>
           <c:cat>
             <c:strRef>
-              <c:f>[光照强度.xlsx]level!$J$1:$N$1</c:f>
+              <c:f>total_level.xlsx!$I$1:$M$1</c:f>
               <c:strCache>
                 <c:ptCount val="5"/>
                 <c:pt idx="0">
@@ -767,7 +624,7 @@
           </c:cat>
           <c:val>
             <c:numRef>
-              <c:f>[光照强度.xlsx]level!$J$2:$N$2</c:f>
+              <c:f>total_level.xlsx!$I$2:$M$2</c:f>
               <c:numCache>
                 <c:formatCode>General</c:formatCode>
                 <c:ptCount val="5"/>
@@ -775,16 +632,16 @@
                   <c:v>5</c:v>
                 </c:pt>
                 <c:pt idx="1">
-                  <c:v>394</c:v>
+                  <c:v>611</c:v>
                 </c:pt>
                 <c:pt idx="2">
-                  <c:v>3498</c:v>
+                  <c:v>5257</c:v>
                 </c:pt>
                 <c:pt idx="3">
-                  <c:v>7382</c:v>
+                  <c:v>11692</c:v>
                 </c:pt>
                 <c:pt idx="4">
-                  <c:v>5631</c:v>
+                  <c:v>8535</c:v>
                 </c:pt>
               </c:numCache>
             </c:numRef>
@@ -908,10 +765,15 @@
               </a:defRPr>
             </a:pPr>
             <a:r>
+              <a:t>光</a:t>
+            </a:r>
+            <a:r>
               <a:rPr lang="" altLang="zh-CN"/>
-              <a:t>光源方向和强度组合分布</a:t>
-            </a:r>
-            <a:endParaRPr lang="" altLang="zh-CN"/>
+              <a:t>照</a:t>
+            </a:r>
+            <a:r>
+              <a:t>方向和强度组合分布</a:t>
+            </a:r>
           </a:p>
         </c:rich>
       </c:tx>
@@ -1186,7 +1048,7 @@
           </c:dLbls>
           <c:cat>
             <c:strRef>
-              <c:f>[光照强度结合方向.xlsx]dir_level!$S$1:$AG$1</c:f>
+              <c:f>total_dir_level.xlsx!$S$1:$AG$1</c:f>
               <c:strCache>
                 <c:ptCount val="15"/>
                 <c:pt idx="0">
@@ -1239,7 +1101,7 @@
           </c:cat>
           <c:val>
             <c:numRef>
-              <c:f>[光照强度结合方向.xlsx]dir_level!$S$2:$AG$2</c:f>
+              <c:f>total_dir_level.xlsx!$S$2:$AG$2</c:f>
               <c:numCache>
                 <c:formatCode>General</c:formatCode>
                 <c:ptCount val="15"/>
@@ -1247,46 +1109,46 @@
                   <c:v>0</c:v>
                 </c:pt>
                 <c:pt idx="1">
-                  <c:v>37</c:v>
+                  <c:v>52</c:v>
                 </c:pt>
                 <c:pt idx="2">
-                  <c:v>289</c:v>
+                  <c:v>429</c:v>
                 </c:pt>
                 <c:pt idx="3">
-                  <c:v>560</c:v>
+                  <c:v>919</c:v>
                 </c:pt>
                 <c:pt idx="4">
-                  <c:v>981</c:v>
+                  <c:v>1539</c:v>
                 </c:pt>
                 <c:pt idx="5">
                   <c:v>0</c:v>
                 </c:pt>
                 <c:pt idx="6">
-                  <c:v>86</c:v>
+                  <c:v>144</c:v>
                 </c:pt>
                 <c:pt idx="7">
-                  <c:v>746</c:v>
+                  <c:v>1102</c:v>
                 </c:pt>
                 <c:pt idx="8">
-                  <c:v>1837</c:v>
+                  <c:v>2989</c:v>
                 </c:pt>
                 <c:pt idx="9">
-                  <c:v>1531</c:v>
+                  <c:v>2366</c:v>
                 </c:pt>
                 <c:pt idx="10">
                   <c:v>5</c:v>
                 </c:pt>
                 <c:pt idx="11">
-                  <c:v>271</c:v>
+                  <c:v>415</c:v>
                 </c:pt>
                 <c:pt idx="12">
-                  <c:v>2463</c:v>
+                  <c:v>3726</c:v>
                 </c:pt>
                 <c:pt idx="13">
-                  <c:v>4985</c:v>
+                  <c:v>7784</c:v>
                 </c:pt>
                 <c:pt idx="14">
-                  <c:v>3119</c:v>
+                  <c:v>4630</c:v>
                 </c:pt>
               </c:numCache>
             </c:numRef>
@@ -1297,7 +1159,7 @@
           <c:showVal val="0"/>
           <c:showCatName val="0"/>
           <c:showSerName val="0"/>
-          <c:showPercent val="0"/>
+          <c:showPercent val="1"/>
           <c:showBubbleSize val="0"/>
           <c:showLeaderLines val="1"/>
         </c:dLbls>
@@ -5862,13 +5724,13 @@
       <p:grpSpPr/>
       <p:graphicFrame>
         <p:nvGraphicFramePr>
-          <p:cNvPr id="4" name="图表 3"/>
+          <p:cNvPr id="2" name="图表 1"/>
           <p:cNvGraphicFramePr/>
           <p:nvPr/>
         </p:nvGraphicFramePr>
         <p:xfrm>
-          <a:off x="623888" y="1855470"/>
-          <a:ext cx="3195955" cy="3108960"/>
+          <a:off x="811530" y="1863090"/>
+          <a:ext cx="3204210" cy="3131820"/>
         </p:xfrm>
         <a:graphic>
           <a:graphicData uri="http://schemas.openxmlformats.org/drawingml/2006/chart">
@@ -5878,13 +5740,13 @@
       </p:graphicFrame>
       <p:graphicFrame>
         <p:nvGraphicFramePr>
-          <p:cNvPr id="5" name="图表 4"/>
+          <p:cNvPr id="3" name="图表 2"/>
           <p:cNvGraphicFramePr/>
           <p:nvPr/>
         </p:nvGraphicFramePr>
         <p:xfrm>
-          <a:off x="4342765" y="1855470"/>
-          <a:ext cx="3192780" cy="3108960"/>
+          <a:off x="4493895" y="1863090"/>
+          <a:ext cx="3204210" cy="3131820"/>
         </p:xfrm>
         <a:graphic>
           <a:graphicData uri="http://schemas.openxmlformats.org/drawingml/2006/chart">
@@ -5894,13 +5756,13 @@
       </p:graphicFrame>
       <p:graphicFrame>
         <p:nvGraphicFramePr>
-          <p:cNvPr id="6" name="图表 5"/>
+          <p:cNvPr id="7" name="图表 6"/>
           <p:cNvGraphicFramePr/>
           <p:nvPr/>
         </p:nvGraphicFramePr>
         <p:xfrm>
-          <a:off x="8072438" y="1851343"/>
-          <a:ext cx="3599815" cy="3108960"/>
+          <a:off x="8214678" y="1863090"/>
+          <a:ext cx="3599815" cy="3131820"/>
         </p:xfrm>
         <a:graphic>
           <a:graphicData uri="http://schemas.openxmlformats.org/drawingml/2006/chart">
